--- a/02document/50日志/0327/cms测试模板.pptx
+++ b/02document/50日志/0327/cms测试模板.pptx
@@ -8,27 +8,32 @@
     <p:notesMasterId r:id="rId4"/>
   </p:notesMasterIdLst>
   <p:handoutMasterIdLst>
-    <p:handoutMasterId r:id="rId17"/>
+    <p:handoutMasterId r:id="rId22"/>
   </p:handoutMasterIdLst>
   <p:sldIdLst>
     <p:sldId id="256" r:id="rId3"/>
-    <p:sldId id="271" r:id="rId5"/>
-    <p:sldId id="257" r:id="rId6"/>
-    <p:sldId id="258" r:id="rId7"/>
-    <p:sldId id="262" r:id="rId8"/>
-    <p:sldId id="269" r:id="rId9"/>
-    <p:sldId id="261" r:id="rId10"/>
-    <p:sldId id="260" r:id="rId11"/>
-    <p:sldId id="273" r:id="rId12"/>
-    <p:sldId id="275" r:id="rId13"/>
-    <p:sldId id="274" r:id="rId14"/>
-    <p:sldId id="277" r:id="rId15"/>
-    <p:sldId id="272" r:id="rId16"/>
+    <p:sldId id="283" r:id="rId5"/>
+    <p:sldId id="271" r:id="rId6"/>
+    <p:sldId id="257" r:id="rId7"/>
+    <p:sldId id="258" r:id="rId8"/>
+    <p:sldId id="262" r:id="rId9"/>
+    <p:sldId id="269" r:id="rId10"/>
+    <p:sldId id="261" r:id="rId11"/>
+    <p:sldId id="260" r:id="rId12"/>
+    <p:sldId id="284" r:id="rId13"/>
+    <p:sldId id="285" r:id="rId14"/>
+    <p:sldId id="286" r:id="rId15"/>
+    <p:sldId id="287" r:id="rId16"/>
+    <p:sldId id="273" r:id="rId17"/>
+    <p:sldId id="275" r:id="rId18"/>
+    <p:sldId id="274" r:id="rId19"/>
+    <p:sldId id="277" r:id="rId20"/>
+    <p:sldId id="272" r:id="rId21"/>
   </p:sldIdLst>
   <p:sldSz cx="12192000" cy="6858000"/>
   <p:notesSz cx="6858000" cy="9144000"/>
   <p:custDataLst>
-    <p:tags r:id="rId21"/>
+    <p:tags r:id="rId26"/>
   </p:custDataLst>
   <p:defaultTextStyle>
     <a:defPPr>
@@ -4974,17 +4979,60 @@
         <p:txBody>
           <a:bodyPr/>
           <a:p>
-            <a:r>
-              <a:rPr lang="zh-CN" altLang="en-US" sz="4400">
-                <a:solidFill>
-                  <a:srgbClr val="FFFF00"/>
-                </a:solidFill>
-              </a:rPr>
-              <a:t>主界面</a:t>
-            </a:r>
-            <a:endParaRPr lang="zh-CN" altLang="en-US" sz="4400">
+            <a:endParaRPr lang="zh-CN" altLang="en-US"/>
+          </a:p>
+        </p:txBody>
+      </p:sp>
+      <p:sp>
+        <p:nvSpPr>
+          <p:cNvPr id="3" name="内容占位符 2"/>
+          <p:cNvSpPr>
+            <a:spLocks noGrp="1"/>
+          </p:cNvSpPr>
+          <p:nvPr>
+            <p:ph idx="1"/>
+          </p:nvPr>
+        </p:nvSpPr>
+        <p:spPr/>
+        <p:txBody>
+          <a:bodyPr/>
+          <a:p>
+            <a:endParaRPr lang="zh-CN" altLang="en-US"/>
+          </a:p>
+        </p:txBody>
+      </p:sp>
+      <p:sp>
+        <p:nvSpPr>
+          <p:cNvPr id="4" name="文本框 3"/>
+          <p:cNvSpPr txBox="1"/>
+          <p:nvPr/>
+        </p:nvSpPr>
+        <p:spPr>
+          <a:xfrm>
+            <a:off x="3718560" y="2169160"/>
+            <a:ext cx="4754880" cy="1014730"/>
+          </a:xfrm>
+          <a:prstGeom prst="rect">
+            <a:avLst/>
+          </a:prstGeom>
+          <a:noFill/>
+        </p:spPr>
+        <p:txBody>
+          <a:bodyPr wrap="none" rtlCol="0">
+            <a:spAutoFit/>
+          </a:bodyPr>
+          <a:p>
+            <a:r>
+              <a:rPr lang="zh-CN" altLang="en-US" sz="6000">
+                <a:solidFill>
+                  <a:srgbClr val="7030A0"/>
+                </a:solidFill>
+              </a:rPr>
+              <a:t>市场发展前景</a:t>
+            </a:r>
+            <a:endParaRPr lang="zh-CN" altLang="en-US" sz="6000">
               <a:solidFill>
-                <a:srgbClr val="FFFF00"/>
+                <a:srgbClr val="7030A0"/>
               </a:solidFill>
             </a:endParaRPr>
           </a:p>
@@ -4992,19 +5040,44 @@
       </p:sp>
       <p:sp>
         <p:nvSpPr>
-          <p:cNvPr id="3" name="内容占位符 2"/>
-          <p:cNvSpPr>
-            <a:spLocks noGrp="1"/>
-          </p:cNvSpPr>
-          <p:nvPr>
-            <p:ph idx="1"/>
-          </p:nvPr>
-        </p:nvSpPr>
-        <p:spPr/>
-        <p:txBody>
-          <a:bodyPr/>
-          <a:p>
-            <a:endParaRPr lang="zh-CN" altLang="en-US"/>
+          <p:cNvPr id="5" name="文本框 4"/>
+          <p:cNvSpPr txBox="1"/>
+          <p:nvPr/>
+        </p:nvSpPr>
+        <p:spPr>
+          <a:xfrm>
+            <a:off x="6664960" y="3183890"/>
+            <a:ext cx="1808480" cy="1568450"/>
+          </a:xfrm>
+          <a:prstGeom prst="rect">
+            <a:avLst/>
+          </a:prstGeom>
+          <a:noFill/>
+        </p:spPr>
+        <p:txBody>
+          <a:bodyPr wrap="none" rtlCol="0">
+            <a:spAutoFit/>
+          </a:bodyPr>
+          <a:p>
+            <a:r>
+              <a:rPr lang="zh-CN" altLang="en-US" sz="3200"/>
+              <a:t>网络方面</a:t>
+            </a:r>
+            <a:endParaRPr lang="zh-CN" altLang="en-US" sz="3200"/>
+          </a:p>
+          <a:p>
+            <a:r>
+              <a:rPr lang="zh-CN" altLang="en-US" sz="3200"/>
+              <a:t>经济方面</a:t>
+            </a:r>
+            <a:endParaRPr lang="zh-CN" altLang="en-US" sz="3200"/>
+          </a:p>
+          <a:p>
+            <a:r>
+              <a:rPr lang="zh-CN" altLang="en-US" sz="3200"/>
+              <a:t>目前状态</a:t>
+            </a:r>
+            <a:endParaRPr lang="zh-CN" altLang="en-US" sz="3200"/>
           </a:p>
         </p:txBody>
       </p:sp>
@@ -5019,6 +5092,309 @@
   <p:transition>
     <p:random/>
   </p:transition>
+  <p:timing>
+    <p:tnLst>
+      <p:par>
+        <p:cTn id="1" dur="indefinite" restart="never" nodeType="tmRoot">
+          <p:childTnLst>
+            <p:seq concurrent="1" nextAc="seek">
+              <p:cTn id="2" dur="indefinite" nodeType="mainSeq">
+                <p:childTnLst>
+                  <p:par>
+                    <p:cTn id="3" fill="hold">
+                      <p:stCondLst>
+                        <p:cond delay="indefinite"/>
+                      </p:stCondLst>
+                      <p:childTnLst>
+                        <p:par>
+                          <p:cTn id="4" fill="hold">
+                            <p:stCondLst>
+                              <p:cond delay="0"/>
+                            </p:stCondLst>
+                            <p:childTnLst>
+                              <p:par>
+                                <p:cTn id="5" presetID="2" presetClass="entr" presetSubtype="2" fill="hold" nodeType="clickEffect">
+                                  <p:stCondLst>
+                                    <p:cond delay="0"/>
+                                  </p:stCondLst>
+                                  <p:childTnLst>
+                                    <p:set>
+                                      <p:cBhvr>
+                                        <p:cTn id="6" dur="1" fill="hold">
+                                          <p:stCondLst>
+                                            <p:cond delay="0"/>
+                                          </p:stCondLst>
+                                        </p:cTn>
+                                        <p:tgtEl>
+                                          <p:spTgt spid="5">
+                                            <p:txEl>
+                                              <p:pRg st="0" end="0"/>
+                                            </p:txEl>
+                                          </p:spTgt>
+                                        </p:tgtEl>
+                                        <p:attrNameLst>
+                                          <p:attrName>style.visibility</p:attrName>
+                                        </p:attrNameLst>
+                                      </p:cBhvr>
+                                      <p:to>
+                                        <p:strVal val="visible"/>
+                                      </p:to>
+                                    </p:set>
+                                    <p:anim calcmode="lin" valueType="num">
+                                      <p:cBhvr additive="base">
+                                        <p:cTn id="7" dur="500" fill="hold"/>
+                                        <p:tgtEl>
+                                          <p:spTgt spid="5">
+                                            <p:txEl>
+                                              <p:pRg st="0" end="0"/>
+                                            </p:txEl>
+                                          </p:spTgt>
+                                        </p:tgtEl>
+                                        <p:attrNameLst>
+                                          <p:attrName>ppt_x</p:attrName>
+                                        </p:attrNameLst>
+                                      </p:cBhvr>
+                                      <p:tavLst>
+                                        <p:tav tm="0">
+                                          <p:val>
+                                            <p:strVal val="1+#ppt_w/2"/>
+                                          </p:val>
+                                        </p:tav>
+                                        <p:tav tm="100000">
+                                          <p:val>
+                                            <p:strVal val="#ppt_x"/>
+                                          </p:val>
+                                        </p:tav>
+                                      </p:tavLst>
+                                    </p:anim>
+                                    <p:anim calcmode="lin" valueType="num">
+                                      <p:cBhvr additive="base">
+                                        <p:cTn id="8" dur="500" fill="hold"/>
+                                        <p:tgtEl>
+                                          <p:spTgt spid="5">
+                                            <p:txEl>
+                                              <p:pRg st="0" end="0"/>
+                                            </p:txEl>
+                                          </p:spTgt>
+                                        </p:tgtEl>
+                                        <p:attrNameLst>
+                                          <p:attrName>ppt_y</p:attrName>
+                                        </p:attrNameLst>
+                                      </p:cBhvr>
+                                      <p:tavLst>
+                                        <p:tav tm="0">
+                                          <p:val>
+                                            <p:strVal val="#ppt_y"/>
+                                          </p:val>
+                                        </p:tav>
+                                        <p:tav tm="100000">
+                                          <p:val>
+                                            <p:strVal val="#ppt_y"/>
+                                          </p:val>
+                                        </p:tav>
+                                      </p:tavLst>
+                                    </p:anim>
+                                  </p:childTnLst>
+                                </p:cTn>
+                              </p:par>
+                              <p:par>
+                                <p:cTn id="9" presetID="2" presetClass="entr" presetSubtype="2" fill="hold" nodeType="withEffect">
+                                  <p:stCondLst>
+                                    <p:cond delay="0"/>
+                                  </p:stCondLst>
+                                  <p:childTnLst>
+                                    <p:set>
+                                      <p:cBhvr>
+                                        <p:cTn id="10" dur="1" fill="hold">
+                                          <p:stCondLst>
+                                            <p:cond delay="0"/>
+                                          </p:stCondLst>
+                                        </p:cTn>
+                                        <p:tgtEl>
+                                          <p:spTgt spid="5">
+                                            <p:txEl>
+                                              <p:pRg st="1" end="1"/>
+                                            </p:txEl>
+                                          </p:spTgt>
+                                        </p:tgtEl>
+                                        <p:attrNameLst>
+                                          <p:attrName>style.visibility</p:attrName>
+                                        </p:attrNameLst>
+                                      </p:cBhvr>
+                                      <p:to>
+                                        <p:strVal val="visible"/>
+                                      </p:to>
+                                    </p:set>
+                                    <p:anim calcmode="lin" valueType="num">
+                                      <p:cBhvr additive="base">
+                                        <p:cTn id="11" dur="500" fill="hold"/>
+                                        <p:tgtEl>
+                                          <p:spTgt spid="5">
+                                            <p:txEl>
+                                              <p:pRg st="1" end="1"/>
+                                            </p:txEl>
+                                          </p:spTgt>
+                                        </p:tgtEl>
+                                        <p:attrNameLst>
+                                          <p:attrName>ppt_x</p:attrName>
+                                        </p:attrNameLst>
+                                      </p:cBhvr>
+                                      <p:tavLst>
+                                        <p:tav tm="0">
+                                          <p:val>
+                                            <p:strVal val="1+#ppt_w/2"/>
+                                          </p:val>
+                                        </p:tav>
+                                        <p:tav tm="100000">
+                                          <p:val>
+                                            <p:strVal val="#ppt_x"/>
+                                          </p:val>
+                                        </p:tav>
+                                      </p:tavLst>
+                                    </p:anim>
+                                    <p:anim calcmode="lin" valueType="num">
+                                      <p:cBhvr additive="base">
+                                        <p:cTn id="12" dur="500" fill="hold"/>
+                                        <p:tgtEl>
+                                          <p:spTgt spid="5">
+                                            <p:txEl>
+                                              <p:pRg st="1" end="1"/>
+                                            </p:txEl>
+                                          </p:spTgt>
+                                        </p:tgtEl>
+                                        <p:attrNameLst>
+                                          <p:attrName>ppt_y</p:attrName>
+                                        </p:attrNameLst>
+                                      </p:cBhvr>
+                                      <p:tavLst>
+                                        <p:tav tm="0">
+                                          <p:val>
+                                            <p:strVal val="#ppt_y"/>
+                                          </p:val>
+                                        </p:tav>
+                                        <p:tav tm="100000">
+                                          <p:val>
+                                            <p:strVal val="#ppt_y"/>
+                                          </p:val>
+                                        </p:tav>
+                                      </p:tavLst>
+                                    </p:anim>
+                                  </p:childTnLst>
+                                </p:cTn>
+                              </p:par>
+                              <p:par>
+                                <p:cTn id="13" presetID="2" presetClass="entr" presetSubtype="2" fill="hold" nodeType="withEffect">
+                                  <p:stCondLst>
+                                    <p:cond delay="0"/>
+                                  </p:stCondLst>
+                                  <p:childTnLst>
+                                    <p:set>
+                                      <p:cBhvr>
+                                        <p:cTn id="14" dur="1" fill="hold">
+                                          <p:stCondLst>
+                                            <p:cond delay="0"/>
+                                          </p:stCondLst>
+                                        </p:cTn>
+                                        <p:tgtEl>
+                                          <p:spTgt spid="5">
+                                            <p:txEl>
+                                              <p:pRg st="2" end="2"/>
+                                            </p:txEl>
+                                          </p:spTgt>
+                                        </p:tgtEl>
+                                        <p:attrNameLst>
+                                          <p:attrName>style.visibility</p:attrName>
+                                        </p:attrNameLst>
+                                      </p:cBhvr>
+                                      <p:to>
+                                        <p:strVal val="visible"/>
+                                      </p:to>
+                                    </p:set>
+                                    <p:anim calcmode="lin" valueType="num">
+                                      <p:cBhvr additive="base">
+                                        <p:cTn id="15" dur="500" fill="hold"/>
+                                        <p:tgtEl>
+                                          <p:spTgt spid="5">
+                                            <p:txEl>
+                                              <p:pRg st="2" end="2"/>
+                                            </p:txEl>
+                                          </p:spTgt>
+                                        </p:tgtEl>
+                                        <p:attrNameLst>
+                                          <p:attrName>ppt_x</p:attrName>
+                                        </p:attrNameLst>
+                                      </p:cBhvr>
+                                      <p:tavLst>
+                                        <p:tav tm="0">
+                                          <p:val>
+                                            <p:strVal val="1+#ppt_w/2"/>
+                                          </p:val>
+                                        </p:tav>
+                                        <p:tav tm="100000">
+                                          <p:val>
+                                            <p:strVal val="#ppt_x"/>
+                                          </p:val>
+                                        </p:tav>
+                                      </p:tavLst>
+                                    </p:anim>
+                                    <p:anim calcmode="lin" valueType="num">
+                                      <p:cBhvr additive="base">
+                                        <p:cTn id="16" dur="500" fill="hold"/>
+                                        <p:tgtEl>
+                                          <p:spTgt spid="5">
+                                            <p:txEl>
+                                              <p:pRg st="2" end="2"/>
+                                            </p:txEl>
+                                          </p:spTgt>
+                                        </p:tgtEl>
+                                        <p:attrNameLst>
+                                          <p:attrName>ppt_y</p:attrName>
+                                        </p:attrNameLst>
+                                      </p:cBhvr>
+                                      <p:tavLst>
+                                        <p:tav tm="0">
+                                          <p:val>
+                                            <p:strVal val="#ppt_y"/>
+                                          </p:val>
+                                        </p:tav>
+                                        <p:tav tm="100000">
+                                          <p:val>
+                                            <p:strVal val="#ppt_y"/>
+                                          </p:val>
+                                        </p:tav>
+                                      </p:tavLst>
+                                    </p:anim>
+                                  </p:childTnLst>
+                                </p:cTn>
+                              </p:par>
+                            </p:childTnLst>
+                          </p:cTn>
+                        </p:par>
+                      </p:childTnLst>
+                    </p:cTn>
+                  </p:par>
+                </p:childTnLst>
+              </p:cTn>
+              <p:prevCondLst>
+                <p:cond evt="onPrev" delay="0">
+                  <p:tgtEl>
+                    <p:sldTgt/>
+                  </p:tgtEl>
+                </p:cond>
+              </p:prevCondLst>
+              <p:nextCondLst>
+                <p:cond evt="onNext" delay="0">
+                  <p:tgtEl>
+                    <p:sldTgt/>
+                  </p:tgtEl>
+                </p:cond>
+              </p:nextCondLst>
+            </p:seq>
+          </p:childTnLst>
+        </p:cTn>
+      </p:par>
+    </p:tnLst>
+  </p:timing>
 </p:sld>
 </file>
 
@@ -5058,16 +5434,24 @@
           <a:bodyPr/>
           <a:p>
             <a:r>
-              <a:rPr lang="zh-CN" altLang="en-US" sz="4400">
-                <a:solidFill>
-                  <a:srgbClr val="FFFF00"/>
-                </a:solidFill>
-              </a:rPr>
-              <a:t>主要功能</a:t>
-            </a:r>
-            <a:endParaRPr lang="zh-CN" altLang="en-US" sz="4400">
+              <a:rPr lang="zh-CN" altLang="en-US" sz="4000">
+                <a:solidFill>
+                  <a:srgbClr val="7030A0"/>
+                </a:solidFill>
+              </a:rPr>
+              <a:t>网络</a:t>
+            </a:r>
+            <a:r>
+              <a:rPr lang="zh-CN" altLang="en-US" sz="4000">
+                <a:solidFill>
+                  <a:srgbClr val="7030A0"/>
+                </a:solidFill>
+              </a:rPr>
+              <a:t>发展</a:t>
+            </a:r>
+            <a:endParaRPr lang="zh-CN" altLang="en-US" sz="4000">
               <a:solidFill>
-                <a:srgbClr val="FFFF00"/>
+                <a:srgbClr val="7030A0"/>
               </a:solidFill>
             </a:endParaRPr>
           </a:p>
@@ -5087,7 +5471,67 @@
         <p:txBody>
           <a:bodyPr/>
           <a:p>
-            <a:endParaRPr lang="zh-CN" altLang="en-US"/>
+            <a:r>
+              <a:rPr lang="zh-CN" altLang="en-US" sz="3200">
+                <a:solidFill>
+                  <a:schemeClr val="tx1">
+                    <a:lumMod val="95000"/>
+                    <a:lumOff val="5000"/>
+                  </a:schemeClr>
+                </a:solidFill>
+              </a:rPr>
+              <a:t>现在世界各地的网络建设都发展的特别好，网络也是基本上覆盖了全世界</a:t>
+            </a:r>
+            <a:endParaRPr lang="zh-CN" altLang="en-US" sz="3200">
+              <a:solidFill>
+                <a:schemeClr val="tx1">
+                  <a:lumMod val="95000"/>
+                  <a:lumOff val="5000"/>
+                </a:schemeClr>
+              </a:solidFill>
+            </a:endParaRPr>
+          </a:p>
+          <a:p>
+            <a:r>
+              <a:rPr lang="zh-CN" altLang="en-US" sz="3200">
+                <a:solidFill>
+                  <a:schemeClr val="tx1">
+                    <a:lumMod val="95000"/>
+                    <a:lumOff val="5000"/>
+                  </a:schemeClr>
+                </a:solidFill>
+              </a:rPr>
+              <a:t>现在每天都离不开网络，网络也成为了现在办公的一个重要的依据</a:t>
+            </a:r>
+            <a:endParaRPr lang="zh-CN" altLang="en-US" sz="3200">
+              <a:solidFill>
+                <a:schemeClr val="tx1">
+                  <a:lumMod val="95000"/>
+                  <a:lumOff val="5000"/>
+                </a:schemeClr>
+              </a:solidFill>
+            </a:endParaRPr>
+          </a:p>
+          <a:p>
+            <a:r>
+              <a:rPr lang="zh-CN" altLang="en-US" sz="3200">
+                <a:solidFill>
+                  <a:schemeClr val="tx1">
+                    <a:lumMod val="95000"/>
+                    <a:lumOff val="5000"/>
+                  </a:schemeClr>
+                </a:solidFill>
+              </a:rPr>
+              <a:t>而像网络建设的话，就是互联网的一个缩影，CMS建站也是网络的一个项目</a:t>
+            </a:r>
+            <a:endParaRPr lang="zh-CN" altLang="en-US" sz="3200">
+              <a:solidFill>
+                <a:schemeClr val="tx1">
+                  <a:lumMod val="95000"/>
+                  <a:lumOff val="5000"/>
+                </a:schemeClr>
+              </a:solidFill>
+            </a:endParaRPr>
           </a:p>
         </p:txBody>
       </p:sp>
@@ -5106,6 +5550,301 @@
 </file>
 
 <file path=ppt/slides/slide12.xml><?xml version="1.0" encoding="utf-8"?>
+<p:sld xmlns:a="http://schemas.openxmlformats.org/drawingml/2006/main" xmlns:r="http://schemas.openxmlformats.org/officeDocument/2006/relationships" xmlns:p="http://schemas.openxmlformats.org/presentationml/2006/main">
+  <p:cSld>
+    <p:spTree>
+      <p:nvGrpSpPr>
+        <p:cNvPr id="1" name=""/>
+        <p:cNvGrpSpPr/>
+        <p:nvPr/>
+      </p:nvGrpSpPr>
+      <p:grpSpPr/>
+      <p:sp>
+        <p:nvSpPr>
+          <p:cNvPr id="2" name="标题 1"/>
+          <p:cNvSpPr>
+            <a:spLocks noGrp="1"/>
+          </p:cNvSpPr>
+          <p:nvPr>
+            <p:ph type="title"/>
+          </p:nvPr>
+        </p:nvSpPr>
+        <p:spPr/>
+        <p:txBody>
+          <a:bodyPr/>
+          <a:p>
+            <a:r>
+              <a:rPr lang="zh-CN" altLang="en-US" sz="4000">
+                <a:solidFill>
+                  <a:srgbClr val="7030A0"/>
+                </a:solidFill>
+              </a:rPr>
+              <a:t>经济发展</a:t>
+            </a:r>
+            <a:endParaRPr lang="zh-CN" altLang="en-US" sz="4000">
+              <a:solidFill>
+                <a:srgbClr val="7030A0"/>
+              </a:solidFill>
+            </a:endParaRPr>
+          </a:p>
+        </p:txBody>
+      </p:sp>
+      <p:sp>
+        <p:nvSpPr>
+          <p:cNvPr id="3" name="内容占位符 2"/>
+          <p:cNvSpPr>
+            <a:spLocks noGrp="1"/>
+          </p:cNvSpPr>
+          <p:nvPr>
+            <p:ph idx="1"/>
+          </p:nvPr>
+        </p:nvSpPr>
+        <p:spPr/>
+        <p:txBody>
+          <a:bodyPr/>
+          <a:p>
+            <a:r>
+              <a:rPr lang="zh-CN" altLang="en-US" sz="3200">
+                <a:solidFill>
+                  <a:schemeClr val="tx1">
+                    <a:lumMod val="95000"/>
+                    <a:lumOff val="5000"/>
+                  </a:schemeClr>
+                </a:solidFill>
+              </a:rPr>
+              <a:t>CMS建站对经济的发展是有很大的促进作用</a:t>
+            </a:r>
+            <a:endParaRPr lang="zh-CN" altLang="en-US" sz="3200">
+              <a:solidFill>
+                <a:schemeClr val="tx1">
+                  <a:lumMod val="95000"/>
+                  <a:lumOff val="5000"/>
+                </a:schemeClr>
+              </a:solidFill>
+            </a:endParaRPr>
+          </a:p>
+          <a:p>
+            <a:r>
+              <a:rPr lang="zh-CN" altLang="en-US" sz="3200">
+                <a:solidFill>
+                  <a:schemeClr val="tx1">
+                    <a:lumMod val="95000"/>
+                    <a:lumOff val="5000"/>
+                  </a:schemeClr>
+                </a:solidFill>
+              </a:rPr>
+              <a:t>大部分的企业，他们都拥有自己的网站</a:t>
+            </a:r>
+            <a:endParaRPr lang="zh-CN" altLang="en-US" sz="3200">
+              <a:solidFill>
+                <a:schemeClr val="tx1">
+                  <a:lumMod val="95000"/>
+                  <a:lumOff val="5000"/>
+                </a:schemeClr>
+              </a:solidFill>
+            </a:endParaRPr>
+          </a:p>
+          <a:p>
+            <a:r>
+              <a:rPr lang="zh-CN" altLang="en-US" sz="3200">
+                <a:solidFill>
+                  <a:schemeClr val="tx1">
+                    <a:lumMod val="95000"/>
+                    <a:lumOff val="5000"/>
+                  </a:schemeClr>
+                </a:solidFill>
+              </a:rPr>
+              <a:t>消费者会通过这些网站对这家公司和企业进行及时的了解，在这家公司里面进行消费</a:t>
+            </a:r>
+            <a:endParaRPr lang="zh-CN" altLang="en-US" sz="3200">
+              <a:solidFill>
+                <a:schemeClr val="tx1">
+                  <a:lumMod val="95000"/>
+                  <a:lumOff val="5000"/>
+                </a:schemeClr>
+              </a:solidFill>
+            </a:endParaRPr>
+          </a:p>
+        </p:txBody>
+      </p:sp>
+    </p:spTree>
+    <p:custDataLst>
+      <p:tags r:id="rId1"/>
+    </p:custDataLst>
+  </p:cSld>
+  <p:clrMapOvr>
+    <a:masterClrMapping/>
+  </p:clrMapOvr>
+  <p:transition>
+    <p:random/>
+  </p:transition>
+</p:sld>
+</file>
+
+<file path=ppt/slides/slide13.xml><?xml version="1.0" encoding="utf-8"?>
+<p:sld xmlns:a="http://schemas.openxmlformats.org/drawingml/2006/main" xmlns:r="http://schemas.openxmlformats.org/officeDocument/2006/relationships" xmlns:p="http://schemas.openxmlformats.org/presentationml/2006/main">
+  <p:cSld>
+    <p:spTree>
+      <p:nvGrpSpPr>
+        <p:cNvPr id="1" name=""/>
+        <p:cNvGrpSpPr/>
+        <p:nvPr/>
+      </p:nvGrpSpPr>
+      <p:grpSpPr/>
+      <p:sp>
+        <p:nvSpPr>
+          <p:cNvPr id="2" name="标题 1"/>
+          <p:cNvSpPr>
+            <a:spLocks noGrp="1"/>
+          </p:cNvSpPr>
+          <p:nvPr>
+            <p:ph type="title"/>
+          </p:nvPr>
+        </p:nvSpPr>
+        <p:spPr/>
+        <p:txBody>
+          <a:bodyPr/>
+          <a:p>
+            <a:r>
+              <a:rPr lang="zh-CN" altLang="en-US" sz="4000">
+                <a:solidFill>
+                  <a:srgbClr val="7030A0"/>
+                </a:solidFill>
+              </a:rPr>
+              <a:t>目前状态</a:t>
+            </a:r>
+            <a:endParaRPr lang="zh-CN" altLang="en-US" sz="4000">
+              <a:solidFill>
+                <a:srgbClr val="7030A0"/>
+              </a:solidFill>
+            </a:endParaRPr>
+          </a:p>
+        </p:txBody>
+      </p:sp>
+      <p:sp>
+        <p:nvSpPr>
+          <p:cNvPr id="3" name="内容占位符 2"/>
+          <p:cNvSpPr>
+            <a:spLocks noGrp="1"/>
+          </p:cNvSpPr>
+          <p:nvPr>
+            <p:ph idx="1"/>
+          </p:nvPr>
+        </p:nvSpPr>
+        <p:spPr/>
+        <p:txBody>
+          <a:bodyPr/>
+          <a:p>
+            <a:r>
+              <a:rPr lang="zh-CN" altLang="en-US" sz="3200">
+                <a:solidFill>
+                  <a:schemeClr val="tx1">
+                    <a:lumMod val="95000"/>
+                    <a:lumOff val="5000"/>
+                  </a:schemeClr>
+                </a:solidFill>
+              </a:rPr>
+              <a:t>CMS建站目前的市场还没有饱和</a:t>
+            </a:r>
+            <a:endParaRPr lang="zh-CN" altLang="en-US" sz="3200">
+              <a:solidFill>
+                <a:schemeClr val="tx1">
+                  <a:lumMod val="95000"/>
+                  <a:lumOff val="5000"/>
+                </a:schemeClr>
+              </a:solidFill>
+            </a:endParaRPr>
+          </a:p>
+          <a:p>
+            <a:endParaRPr lang="zh-CN" altLang="en-US" sz="3200">
+              <a:solidFill>
+                <a:schemeClr val="tx1">
+                  <a:lumMod val="95000"/>
+                  <a:lumOff val="5000"/>
+                </a:schemeClr>
+              </a:solidFill>
+            </a:endParaRPr>
+          </a:p>
+          <a:p>
+            <a:r>
+              <a:rPr lang="zh-CN" altLang="en-US" sz="3200">
+                <a:solidFill>
+                  <a:schemeClr val="tx1">
+                    <a:lumMod val="95000"/>
+                    <a:lumOff val="5000"/>
+                  </a:schemeClr>
+                </a:solidFill>
+              </a:rPr>
+              <a:t>技术系统还没有达到高峰期</a:t>
+            </a:r>
+            <a:endParaRPr lang="zh-CN" altLang="en-US" sz="3200">
+              <a:solidFill>
+                <a:schemeClr val="tx1">
+                  <a:lumMod val="95000"/>
+                  <a:lumOff val="5000"/>
+                </a:schemeClr>
+              </a:solidFill>
+            </a:endParaRPr>
+          </a:p>
+          <a:p>
+            <a:endParaRPr lang="zh-CN" altLang="en-US" sz="3200">
+              <a:solidFill>
+                <a:schemeClr val="tx1">
+                  <a:lumMod val="95000"/>
+                  <a:lumOff val="5000"/>
+                </a:schemeClr>
+              </a:solidFill>
+            </a:endParaRPr>
+          </a:p>
+          <a:p>
+            <a:r>
+              <a:rPr lang="en-US" altLang="zh-CN" sz="3200">
+                <a:solidFill>
+                  <a:schemeClr val="tx1">
+                    <a:lumMod val="95000"/>
+                    <a:lumOff val="5000"/>
+                  </a:schemeClr>
+                </a:solidFill>
+              </a:rPr>
+              <a:t>CMS</a:t>
+            </a:r>
+            <a:r>
+              <a:rPr sz="3200">
+                <a:solidFill>
+                  <a:schemeClr val="tx1">
+                    <a:lumMod val="95000"/>
+                    <a:lumOff val="5000"/>
+                  </a:schemeClr>
+                </a:solidFill>
+              </a:rPr>
+              <a:t>目前市场发展前景开阔</a:t>
+            </a:r>
+            <a:endParaRPr sz="3200">
+              <a:solidFill>
+                <a:schemeClr val="tx1">
+                  <a:lumMod val="95000"/>
+                  <a:lumOff val="5000"/>
+                </a:schemeClr>
+              </a:solidFill>
+            </a:endParaRPr>
+          </a:p>
+        </p:txBody>
+      </p:sp>
+    </p:spTree>
+    <p:custDataLst>
+      <p:tags r:id="rId1"/>
+    </p:custDataLst>
+  </p:cSld>
+  <p:clrMapOvr>
+    <a:masterClrMapping/>
+  </p:clrMapOvr>
+  <p:transition>
+    <p:random/>
+  </p:transition>
+</p:sld>
+</file>
+
+<file path=ppt/slides/slide14.xml><?xml version="1.0" encoding="utf-8"?>
 <p:sld xmlns:a="http://schemas.openxmlformats.org/drawingml/2006/main" xmlns:r="http://schemas.openxmlformats.org/officeDocument/2006/relationships" xmlns:p="http://schemas.openxmlformats.org/presentationml/2006/main">
   <p:cSld>
     <p:bg>
@@ -5140,13 +5879,308 @@
         <p:txBody>
           <a:bodyPr/>
           <a:p>
+            <a:endParaRPr lang="zh-CN" altLang="en-US"/>
+          </a:p>
+        </p:txBody>
+      </p:sp>
+      <p:sp>
+        <p:nvSpPr>
+          <p:cNvPr id="3" name="内容占位符 2"/>
+          <p:cNvSpPr>
+            <a:spLocks noGrp="1"/>
+          </p:cNvSpPr>
+          <p:nvPr>
+            <p:ph idx="1"/>
+          </p:nvPr>
+        </p:nvSpPr>
+        <p:spPr/>
+        <p:txBody>
+          <a:bodyPr/>
+          <a:p>
+            <a:endParaRPr lang="zh-CN" altLang="en-US"/>
+          </a:p>
+        </p:txBody>
+      </p:sp>
+      <p:sp>
+        <p:nvSpPr>
+          <p:cNvPr id="5" name="文本框 4"/>
+          <p:cNvSpPr txBox="1"/>
+          <p:nvPr/>
+        </p:nvSpPr>
+        <p:spPr>
+          <a:xfrm>
+            <a:off x="6749415" y="2644775"/>
+            <a:ext cx="1808480" cy="1568450"/>
+          </a:xfrm>
+          <a:prstGeom prst="rect">
+            <a:avLst/>
+          </a:prstGeom>
+          <a:noFill/>
+        </p:spPr>
+        <p:txBody>
+          <a:bodyPr wrap="none" rtlCol="0">
+            <a:spAutoFit/>
+          </a:bodyPr>
+          <a:p>
+            <a:r>
+              <a:rPr lang="zh-CN" altLang="en-US" sz="3200">
+                <a:solidFill>
+                  <a:srgbClr val="FFFF00"/>
+                </a:solidFill>
+              </a:rPr>
+              <a:t>主界面</a:t>
+            </a:r>
+            <a:endParaRPr lang="zh-CN" altLang="en-US" sz="3200">
+              <a:solidFill>
+                <a:srgbClr val="FFFF00"/>
+              </a:solidFill>
+            </a:endParaRPr>
+          </a:p>
+          <a:p>
+            <a:r>
+              <a:rPr lang="zh-CN" altLang="en-US" sz="3200">
+                <a:solidFill>
+                  <a:srgbClr val="FFFF00"/>
+                </a:solidFill>
+              </a:rPr>
+              <a:t>主要功能</a:t>
+            </a:r>
+            <a:endParaRPr lang="zh-CN" altLang="en-US" sz="3200">
+              <a:solidFill>
+                <a:srgbClr val="FFFF00"/>
+              </a:solidFill>
+            </a:endParaRPr>
+          </a:p>
+          <a:p>
+            <a:r>
+              <a:rPr lang="zh-CN" altLang="en-US" sz="3200">
+                <a:solidFill>
+                  <a:srgbClr val="FFFF00"/>
+                </a:solidFill>
+              </a:rPr>
+              <a:t>特色板块</a:t>
+            </a:r>
+            <a:endParaRPr lang="zh-CN" altLang="en-US" sz="3200">
+              <a:solidFill>
+                <a:srgbClr val="FFFF00"/>
+              </a:solidFill>
+            </a:endParaRPr>
+          </a:p>
+        </p:txBody>
+      </p:sp>
+      <p:sp>
+        <p:nvSpPr>
+          <p:cNvPr id="4" name="文本框 3"/>
+          <p:cNvSpPr txBox="1"/>
+          <p:nvPr/>
+        </p:nvSpPr>
+        <p:spPr>
+          <a:xfrm>
+            <a:off x="3633470" y="1296035"/>
+            <a:ext cx="4924425" cy="1014730"/>
+          </a:xfrm>
+          <a:prstGeom prst="rect">
+            <a:avLst/>
+          </a:prstGeom>
+          <a:noFill/>
+        </p:spPr>
+        <p:txBody>
+          <a:bodyPr wrap="none" rtlCol="0">
+            <a:spAutoFit/>
+          </a:bodyPr>
+          <a:p>
+            <a:r>
+              <a:rPr lang="en-US" altLang="zh-CN" sz="6000"/>
+              <a:t>CMS</a:t>
+            </a:r>
+            <a:r>
+              <a:rPr lang="zh-CN" altLang="en-US" sz="6000"/>
+              <a:t>项目展示</a:t>
+            </a:r>
+            <a:endParaRPr lang="zh-CN" altLang="en-US" sz="6000"/>
+          </a:p>
+        </p:txBody>
+      </p:sp>
+    </p:spTree>
+    <p:custDataLst>
+      <p:tags r:id="rId2"/>
+    </p:custDataLst>
+  </p:cSld>
+  <p:clrMapOvr>
+    <a:masterClrMapping/>
+  </p:clrMapOvr>
+  <p:transition>
+    <p:random/>
+  </p:transition>
+  <p:timing>
+    <p:tnLst>
+      <p:par>
+        <p:cTn id="1" dur="indefinite" restart="never" nodeType="tmRoot">
+          <p:childTnLst>
+            <p:seq concurrent="1" nextAc="seek">
+              <p:cTn id="2" dur="indefinite" nodeType="mainSeq">
+                <p:childTnLst>
+                  <p:par>
+                    <p:cTn id="3" fill="hold">
+                      <p:stCondLst>
+                        <p:cond delay="indefinite"/>
+                      </p:stCondLst>
+                      <p:childTnLst>
+                        <p:par>
+                          <p:cTn id="4" fill="hold">
+                            <p:stCondLst>
+                              <p:cond delay="0"/>
+                            </p:stCondLst>
+                            <p:childTnLst>
+                              <p:par>
+                                <p:cTn id="5" presetID="2" presetClass="entr" presetSubtype="2" fill="hold" grpId="1" nodeType="clickEffect">
+                                  <p:stCondLst>
+                                    <p:cond delay="0"/>
+                                  </p:stCondLst>
+                                  <p:childTnLst>
+                                    <p:set>
+                                      <p:cBhvr>
+                                        <p:cTn id="6" dur="1" fill="hold">
+                                          <p:stCondLst>
+                                            <p:cond delay="0"/>
+                                          </p:stCondLst>
+                                        </p:cTn>
+                                        <p:tgtEl>
+                                          <p:spTgt spid="5"/>
+                                        </p:tgtEl>
+                                        <p:attrNameLst>
+                                          <p:attrName>style.visibility</p:attrName>
+                                        </p:attrNameLst>
+                                      </p:cBhvr>
+                                      <p:to>
+                                        <p:strVal val="visible"/>
+                                      </p:to>
+                                    </p:set>
+                                    <p:anim calcmode="lin" valueType="num">
+                                      <p:cBhvr additive="base">
+                                        <p:cTn id="7" dur="500" fill="hold"/>
+                                        <p:tgtEl>
+                                          <p:spTgt spid="5"/>
+                                        </p:tgtEl>
+                                        <p:attrNameLst>
+                                          <p:attrName>ppt_x</p:attrName>
+                                        </p:attrNameLst>
+                                      </p:cBhvr>
+                                      <p:tavLst>
+                                        <p:tav tm="0">
+                                          <p:val>
+                                            <p:strVal val="1+#ppt_w/2"/>
+                                          </p:val>
+                                        </p:tav>
+                                        <p:tav tm="100000">
+                                          <p:val>
+                                            <p:strVal val="#ppt_x"/>
+                                          </p:val>
+                                        </p:tav>
+                                      </p:tavLst>
+                                    </p:anim>
+                                    <p:anim calcmode="lin" valueType="num">
+                                      <p:cBhvr additive="base">
+                                        <p:cTn id="8" dur="500" fill="hold"/>
+                                        <p:tgtEl>
+                                          <p:spTgt spid="5"/>
+                                        </p:tgtEl>
+                                        <p:attrNameLst>
+                                          <p:attrName>ppt_y</p:attrName>
+                                        </p:attrNameLst>
+                                      </p:cBhvr>
+                                      <p:tavLst>
+                                        <p:tav tm="0">
+                                          <p:val>
+                                            <p:strVal val="#ppt_y"/>
+                                          </p:val>
+                                        </p:tav>
+                                        <p:tav tm="100000">
+                                          <p:val>
+                                            <p:strVal val="#ppt_y"/>
+                                          </p:val>
+                                        </p:tav>
+                                      </p:tavLst>
+                                    </p:anim>
+                                  </p:childTnLst>
+                                </p:cTn>
+                              </p:par>
+                            </p:childTnLst>
+                          </p:cTn>
+                        </p:par>
+                      </p:childTnLst>
+                    </p:cTn>
+                  </p:par>
+                </p:childTnLst>
+              </p:cTn>
+              <p:prevCondLst>
+                <p:cond evt="onPrev" delay="0">
+                  <p:tgtEl>
+                    <p:sldTgt/>
+                  </p:tgtEl>
+                </p:cond>
+              </p:prevCondLst>
+              <p:nextCondLst>
+                <p:cond evt="onNext" delay="0">
+                  <p:tgtEl>
+                    <p:sldTgt/>
+                  </p:tgtEl>
+                </p:cond>
+              </p:nextCondLst>
+            </p:seq>
+          </p:childTnLst>
+        </p:cTn>
+      </p:par>
+    </p:tnLst>
+    <p:bldLst>
+      <p:bldP spid="5" grpId="1"/>
+    </p:bldLst>
+  </p:timing>
+</p:sld>
+</file>
+
+<file path=ppt/slides/slide15.xml><?xml version="1.0" encoding="utf-8"?>
+<p:sld xmlns:a="http://schemas.openxmlformats.org/drawingml/2006/main" xmlns:r="http://schemas.openxmlformats.org/officeDocument/2006/relationships" xmlns:p="http://schemas.openxmlformats.org/presentationml/2006/main">
+  <p:cSld>
+    <p:bg>
+      <p:bgPr>
+        <a:blipFill rotWithShape="1">
+          <a:blip r:embed="rId1"/>
+          <a:stretch>
+            <a:fillRect/>
+          </a:stretch>
+        </a:blipFill>
+        <a:effectLst/>
+      </p:bgPr>
+    </p:bg>
+    <p:spTree>
+      <p:nvGrpSpPr>
+        <p:cNvPr id="1" name=""/>
+        <p:cNvGrpSpPr/>
+        <p:nvPr/>
+      </p:nvGrpSpPr>
+      <p:grpSpPr/>
+      <p:sp>
+        <p:nvSpPr>
+          <p:cNvPr id="2" name="标题 1"/>
+          <p:cNvSpPr>
+            <a:spLocks noGrp="1"/>
+          </p:cNvSpPr>
+          <p:nvPr>
+            <p:ph type="title"/>
+          </p:nvPr>
+        </p:nvSpPr>
+        <p:spPr/>
+        <p:txBody>
+          <a:bodyPr/>
+          <a:p>
             <a:r>
               <a:rPr lang="zh-CN" altLang="en-US" sz="4400">
                 <a:solidFill>
                   <a:srgbClr val="FFFF00"/>
                 </a:solidFill>
               </a:rPr>
-              <a:t>特色板块</a:t>
+              <a:t>主界面</a:t>
             </a:r>
             <a:endParaRPr lang="zh-CN" altLang="en-US" sz="4400">
               <a:solidFill>
@@ -5188,7 +6222,173 @@
 </p:sld>
 </file>
 
-<file path=ppt/slides/slide13.xml><?xml version="1.0" encoding="utf-8"?>
+<file path=ppt/slides/slide16.xml><?xml version="1.0" encoding="utf-8"?>
+<p:sld xmlns:a="http://schemas.openxmlformats.org/drawingml/2006/main" xmlns:r="http://schemas.openxmlformats.org/officeDocument/2006/relationships" xmlns:p="http://schemas.openxmlformats.org/presentationml/2006/main">
+  <p:cSld>
+    <p:bg>
+      <p:bgPr>
+        <a:blipFill rotWithShape="1">
+          <a:blip r:embed="rId1"/>
+          <a:stretch>
+            <a:fillRect/>
+          </a:stretch>
+        </a:blipFill>
+        <a:effectLst/>
+      </p:bgPr>
+    </p:bg>
+    <p:spTree>
+      <p:nvGrpSpPr>
+        <p:cNvPr id="1" name=""/>
+        <p:cNvGrpSpPr/>
+        <p:nvPr/>
+      </p:nvGrpSpPr>
+      <p:grpSpPr/>
+      <p:sp>
+        <p:nvSpPr>
+          <p:cNvPr id="2" name="标题 1"/>
+          <p:cNvSpPr>
+            <a:spLocks noGrp="1"/>
+          </p:cNvSpPr>
+          <p:nvPr>
+            <p:ph type="title"/>
+          </p:nvPr>
+        </p:nvSpPr>
+        <p:spPr/>
+        <p:txBody>
+          <a:bodyPr/>
+          <a:p>
+            <a:r>
+              <a:rPr lang="zh-CN" altLang="en-US" sz="4400">
+                <a:solidFill>
+                  <a:srgbClr val="FFFF00"/>
+                </a:solidFill>
+              </a:rPr>
+              <a:t>主要功能</a:t>
+            </a:r>
+            <a:endParaRPr lang="zh-CN" altLang="en-US" sz="4400">
+              <a:solidFill>
+                <a:srgbClr val="FFFF00"/>
+              </a:solidFill>
+            </a:endParaRPr>
+          </a:p>
+        </p:txBody>
+      </p:sp>
+      <p:sp>
+        <p:nvSpPr>
+          <p:cNvPr id="3" name="内容占位符 2"/>
+          <p:cNvSpPr>
+            <a:spLocks noGrp="1"/>
+          </p:cNvSpPr>
+          <p:nvPr>
+            <p:ph idx="1"/>
+          </p:nvPr>
+        </p:nvSpPr>
+        <p:spPr/>
+        <p:txBody>
+          <a:bodyPr/>
+          <a:p>
+            <a:endParaRPr lang="zh-CN" altLang="en-US"/>
+          </a:p>
+        </p:txBody>
+      </p:sp>
+    </p:spTree>
+    <p:custDataLst>
+      <p:tags r:id="rId2"/>
+    </p:custDataLst>
+  </p:cSld>
+  <p:clrMapOvr>
+    <a:masterClrMapping/>
+  </p:clrMapOvr>
+  <p:transition>
+    <p:random/>
+  </p:transition>
+</p:sld>
+</file>
+
+<file path=ppt/slides/slide17.xml><?xml version="1.0" encoding="utf-8"?>
+<p:sld xmlns:a="http://schemas.openxmlformats.org/drawingml/2006/main" xmlns:r="http://schemas.openxmlformats.org/officeDocument/2006/relationships" xmlns:p="http://schemas.openxmlformats.org/presentationml/2006/main">
+  <p:cSld>
+    <p:bg>
+      <p:bgPr>
+        <a:blipFill rotWithShape="1">
+          <a:blip r:embed="rId1"/>
+          <a:stretch>
+            <a:fillRect/>
+          </a:stretch>
+        </a:blipFill>
+        <a:effectLst/>
+      </p:bgPr>
+    </p:bg>
+    <p:spTree>
+      <p:nvGrpSpPr>
+        <p:cNvPr id="1" name=""/>
+        <p:cNvGrpSpPr/>
+        <p:nvPr/>
+      </p:nvGrpSpPr>
+      <p:grpSpPr/>
+      <p:sp>
+        <p:nvSpPr>
+          <p:cNvPr id="2" name="标题 1"/>
+          <p:cNvSpPr>
+            <a:spLocks noGrp="1"/>
+          </p:cNvSpPr>
+          <p:nvPr>
+            <p:ph type="title"/>
+          </p:nvPr>
+        </p:nvSpPr>
+        <p:spPr/>
+        <p:txBody>
+          <a:bodyPr/>
+          <a:p>
+            <a:r>
+              <a:rPr lang="zh-CN" altLang="en-US" sz="4400">
+                <a:solidFill>
+                  <a:srgbClr val="FFFF00"/>
+                </a:solidFill>
+              </a:rPr>
+              <a:t>特色板块</a:t>
+            </a:r>
+            <a:endParaRPr lang="zh-CN" altLang="en-US" sz="4400">
+              <a:solidFill>
+                <a:srgbClr val="FFFF00"/>
+              </a:solidFill>
+            </a:endParaRPr>
+          </a:p>
+        </p:txBody>
+      </p:sp>
+      <p:sp>
+        <p:nvSpPr>
+          <p:cNvPr id="3" name="内容占位符 2"/>
+          <p:cNvSpPr>
+            <a:spLocks noGrp="1"/>
+          </p:cNvSpPr>
+          <p:nvPr>
+            <p:ph idx="1"/>
+          </p:nvPr>
+        </p:nvSpPr>
+        <p:spPr/>
+        <p:txBody>
+          <a:bodyPr/>
+          <a:p>
+            <a:endParaRPr lang="zh-CN" altLang="en-US"/>
+          </a:p>
+        </p:txBody>
+      </p:sp>
+    </p:spTree>
+    <p:custDataLst>
+      <p:tags r:id="rId2"/>
+    </p:custDataLst>
+  </p:cSld>
+  <p:clrMapOvr>
+    <a:masterClrMapping/>
+  </p:clrMapOvr>
+  <p:transition>
+    <p:random/>
+  </p:transition>
+</p:sld>
+</file>
+
+<file path=ppt/slides/slide18.xml><?xml version="1.0" encoding="utf-8"?>
 <p:sld xmlns:a="http://schemas.openxmlformats.org/drawingml/2006/main" xmlns:r="http://schemas.openxmlformats.org/officeDocument/2006/relationships" xmlns:p="http://schemas.openxmlformats.org/presentationml/2006/main">
   <p:cSld>
     <p:bg>
@@ -5341,6 +6541,521 @@
             <p:ph type="title"/>
           </p:nvPr>
         </p:nvSpPr>
+        <p:spPr>
+          <a:xfrm>
+            <a:off x="1511300" y="1550670"/>
+            <a:ext cx="4939665" cy="1912620"/>
+          </a:xfrm>
+        </p:spPr>
+        <p:txBody>
+          <a:bodyPr/>
+          <a:p>
+            <a:r>
+              <a:rPr lang="zh-CN" altLang="en-US" sz="8000">
+                <a:solidFill>
+                  <a:srgbClr val="FFFF00"/>
+                </a:solidFill>
+              </a:rPr>
+              <a:t>三大主题</a:t>
+            </a:r>
+            <a:endParaRPr lang="zh-CN" altLang="en-US" sz="8000">
+              <a:solidFill>
+                <a:srgbClr val="FFFF00"/>
+              </a:solidFill>
+            </a:endParaRPr>
+          </a:p>
+        </p:txBody>
+      </p:sp>
+      <p:sp>
+        <p:nvSpPr>
+          <p:cNvPr id="3" name="内容占位符 2"/>
+          <p:cNvSpPr>
+            <a:spLocks noGrp="1"/>
+          </p:cNvSpPr>
+          <p:nvPr>
+            <p:ph idx="1"/>
+          </p:nvPr>
+        </p:nvSpPr>
+        <p:spPr/>
+        <p:txBody>
+          <a:bodyPr/>
+          <a:p>
+            <a:endParaRPr lang="zh-CN" altLang="en-US"/>
+          </a:p>
+        </p:txBody>
+      </p:sp>
+      <p:sp>
+        <p:nvSpPr>
+          <p:cNvPr id="4" name="文本框 3"/>
+          <p:cNvSpPr txBox="1"/>
+          <p:nvPr/>
+        </p:nvSpPr>
+        <p:spPr>
+          <a:xfrm>
+            <a:off x="7999095" y="2756535"/>
+            <a:ext cx="3522980" cy="706755"/>
+          </a:xfrm>
+          <a:prstGeom prst="rect">
+            <a:avLst/>
+          </a:prstGeom>
+          <a:noFill/>
+        </p:spPr>
+        <p:txBody>
+          <a:bodyPr wrap="square" rtlCol="0">
+            <a:spAutoFit/>
+          </a:bodyPr>
+          <a:p>
+            <a:r>
+              <a:rPr lang="en-US" altLang="zh-CN" sz="4000">
+                <a:solidFill>
+                  <a:srgbClr val="00B0F0"/>
+                </a:solidFill>
+              </a:rPr>
+              <a:t>CMS</a:t>
+            </a:r>
+            <a:r>
+              <a:rPr lang="zh-CN" altLang="en-US" sz="4000">
+                <a:solidFill>
+                  <a:srgbClr val="00B0F0"/>
+                </a:solidFill>
+              </a:rPr>
+              <a:t>详情介绍</a:t>
+            </a:r>
+            <a:endParaRPr lang="zh-CN" altLang="en-US" sz="4000">
+              <a:solidFill>
+                <a:srgbClr val="00B0F0"/>
+              </a:solidFill>
+            </a:endParaRPr>
+          </a:p>
+        </p:txBody>
+      </p:sp>
+      <p:sp>
+        <p:nvSpPr>
+          <p:cNvPr id="5" name="文本框 4"/>
+          <p:cNvSpPr txBox="1"/>
+          <p:nvPr/>
+        </p:nvSpPr>
+        <p:spPr>
+          <a:xfrm>
+            <a:off x="6450965" y="4154805"/>
+            <a:ext cx="3230880" cy="706755"/>
+          </a:xfrm>
+          <a:prstGeom prst="rect">
+            <a:avLst/>
+          </a:prstGeom>
+          <a:noFill/>
+        </p:spPr>
+        <p:txBody>
+          <a:bodyPr wrap="none" rtlCol="0">
+            <a:spAutoFit/>
+          </a:bodyPr>
+          <a:p>
+            <a:r>
+              <a:rPr lang="zh-CN" altLang="en-US" sz="4000">
+                <a:solidFill>
+                  <a:srgbClr val="7030A0"/>
+                </a:solidFill>
+              </a:rPr>
+              <a:t>市场发展前景</a:t>
+            </a:r>
+            <a:endParaRPr lang="zh-CN" altLang="en-US" sz="4000">
+              <a:solidFill>
+                <a:srgbClr val="7030A0"/>
+              </a:solidFill>
+            </a:endParaRPr>
+          </a:p>
+        </p:txBody>
+      </p:sp>
+      <p:sp>
+        <p:nvSpPr>
+          <p:cNvPr id="6" name="文本框 5"/>
+          <p:cNvSpPr txBox="1"/>
+          <p:nvPr/>
+        </p:nvSpPr>
+        <p:spPr>
+          <a:xfrm>
+            <a:off x="4768215" y="5630545"/>
+            <a:ext cx="3230880" cy="706755"/>
+          </a:xfrm>
+          <a:prstGeom prst="rect">
+            <a:avLst/>
+          </a:prstGeom>
+          <a:noFill/>
+        </p:spPr>
+        <p:txBody>
+          <a:bodyPr wrap="none" rtlCol="0">
+            <a:spAutoFit/>
+          </a:bodyPr>
+          <a:p>
+            <a:r>
+              <a:rPr lang="zh-CN" altLang="en-US" sz="4000">
+                <a:solidFill>
+                  <a:srgbClr val="00B050"/>
+                </a:solidFill>
+              </a:rPr>
+              <a:t>本组项目展示</a:t>
+            </a:r>
+            <a:endParaRPr lang="zh-CN" altLang="en-US" sz="4000">
+              <a:solidFill>
+                <a:srgbClr val="00B050"/>
+              </a:solidFill>
+            </a:endParaRPr>
+          </a:p>
+        </p:txBody>
+      </p:sp>
+    </p:spTree>
+    <p:custDataLst>
+      <p:tags r:id="rId2"/>
+    </p:custDataLst>
+  </p:cSld>
+  <p:clrMapOvr>
+    <a:masterClrMapping/>
+  </p:clrMapOvr>
+  <p:transition>
+    <p:random/>
+  </p:transition>
+  <p:timing>
+    <p:tnLst>
+      <p:par>
+        <p:cTn id="1" dur="indefinite" restart="never" nodeType="tmRoot">
+          <p:childTnLst>
+            <p:seq concurrent="1" nextAc="seek">
+              <p:cTn id="2" dur="indefinite" nodeType="mainSeq">
+                <p:childTnLst>
+                  <p:par>
+                    <p:cTn id="3" fill="hold">
+                      <p:stCondLst>
+                        <p:cond delay="indefinite"/>
+                      </p:stCondLst>
+                      <p:childTnLst>
+                        <p:par>
+                          <p:cTn id="4" fill="hold">
+                            <p:stCondLst>
+                              <p:cond delay="0"/>
+                            </p:stCondLst>
+                            <p:childTnLst>
+                              <p:par>
+                                <p:cTn id="5" presetID="2" presetClass="entr" presetSubtype="3" fill="hold" grpId="0" nodeType="clickEffect">
+                                  <p:stCondLst>
+                                    <p:cond delay="0"/>
+                                  </p:stCondLst>
+                                  <p:childTnLst>
+                                    <p:set>
+                                      <p:cBhvr>
+                                        <p:cTn id="6" dur="1" fill="hold">
+                                          <p:stCondLst>
+                                            <p:cond delay="0"/>
+                                          </p:stCondLst>
+                                        </p:cTn>
+                                        <p:tgtEl>
+                                          <p:spTgt spid="4"/>
+                                        </p:tgtEl>
+                                        <p:attrNameLst>
+                                          <p:attrName>style.visibility</p:attrName>
+                                        </p:attrNameLst>
+                                      </p:cBhvr>
+                                      <p:to>
+                                        <p:strVal val="visible"/>
+                                      </p:to>
+                                    </p:set>
+                                    <p:anim calcmode="lin" valueType="num">
+                                      <p:cBhvr additive="base">
+                                        <p:cTn id="7" dur="500" fill="hold"/>
+                                        <p:tgtEl>
+                                          <p:spTgt spid="4"/>
+                                        </p:tgtEl>
+                                        <p:attrNameLst>
+                                          <p:attrName>ppt_x</p:attrName>
+                                        </p:attrNameLst>
+                                      </p:cBhvr>
+                                      <p:tavLst>
+                                        <p:tav tm="0">
+                                          <p:val>
+                                            <p:strVal val="1+#ppt_w/2"/>
+                                          </p:val>
+                                        </p:tav>
+                                        <p:tav tm="100000">
+                                          <p:val>
+                                            <p:strVal val="#ppt_x"/>
+                                          </p:val>
+                                        </p:tav>
+                                      </p:tavLst>
+                                    </p:anim>
+                                    <p:anim calcmode="lin" valueType="num">
+                                      <p:cBhvr additive="base">
+                                        <p:cTn id="8" dur="500" fill="hold"/>
+                                        <p:tgtEl>
+                                          <p:spTgt spid="4"/>
+                                        </p:tgtEl>
+                                        <p:attrNameLst>
+                                          <p:attrName>ppt_y</p:attrName>
+                                        </p:attrNameLst>
+                                      </p:cBhvr>
+                                      <p:tavLst>
+                                        <p:tav tm="0">
+                                          <p:val>
+                                            <p:strVal val="0-#ppt_h/2"/>
+                                          </p:val>
+                                        </p:tav>
+                                        <p:tav tm="100000">
+                                          <p:val>
+                                            <p:strVal val="#ppt_y"/>
+                                          </p:val>
+                                        </p:tav>
+                                      </p:tavLst>
+                                    </p:anim>
+                                  </p:childTnLst>
+                                </p:cTn>
+                              </p:par>
+                            </p:childTnLst>
+                          </p:cTn>
+                        </p:par>
+                      </p:childTnLst>
+                    </p:cTn>
+                  </p:par>
+                  <p:par>
+                    <p:cTn id="9" fill="hold">
+                      <p:stCondLst>
+                        <p:cond delay="indefinite"/>
+                      </p:stCondLst>
+                      <p:childTnLst>
+                        <p:par>
+                          <p:cTn id="10" fill="hold">
+                            <p:stCondLst>
+                              <p:cond delay="0"/>
+                            </p:stCondLst>
+                            <p:childTnLst>
+                              <p:par>
+                                <p:cTn id="11" presetID="2" presetClass="entr" presetSubtype="2" fill="hold" grpId="0" nodeType="clickEffect">
+                                  <p:stCondLst>
+                                    <p:cond delay="0"/>
+                                  </p:stCondLst>
+                                  <p:childTnLst>
+                                    <p:set>
+                                      <p:cBhvr>
+                                        <p:cTn id="12" dur="1" fill="hold">
+                                          <p:stCondLst>
+                                            <p:cond delay="0"/>
+                                          </p:stCondLst>
+                                        </p:cTn>
+                                        <p:tgtEl>
+                                          <p:spTgt spid="5"/>
+                                        </p:tgtEl>
+                                        <p:attrNameLst>
+                                          <p:attrName>style.visibility</p:attrName>
+                                        </p:attrNameLst>
+                                      </p:cBhvr>
+                                      <p:to>
+                                        <p:strVal val="visible"/>
+                                      </p:to>
+                                    </p:set>
+                                    <p:anim calcmode="lin" valueType="num">
+                                      <p:cBhvr additive="base">
+                                        <p:cTn id="13" dur="500" fill="hold"/>
+                                        <p:tgtEl>
+                                          <p:spTgt spid="5"/>
+                                        </p:tgtEl>
+                                        <p:attrNameLst>
+                                          <p:attrName>ppt_x</p:attrName>
+                                        </p:attrNameLst>
+                                      </p:cBhvr>
+                                      <p:tavLst>
+                                        <p:tav tm="0">
+                                          <p:val>
+                                            <p:strVal val="1+#ppt_w/2"/>
+                                          </p:val>
+                                        </p:tav>
+                                        <p:tav tm="100000">
+                                          <p:val>
+                                            <p:strVal val="#ppt_x"/>
+                                          </p:val>
+                                        </p:tav>
+                                      </p:tavLst>
+                                    </p:anim>
+                                    <p:anim calcmode="lin" valueType="num">
+                                      <p:cBhvr additive="base">
+                                        <p:cTn id="14" dur="500" fill="hold"/>
+                                        <p:tgtEl>
+                                          <p:spTgt spid="5"/>
+                                        </p:tgtEl>
+                                        <p:attrNameLst>
+                                          <p:attrName>ppt_y</p:attrName>
+                                        </p:attrNameLst>
+                                      </p:cBhvr>
+                                      <p:tavLst>
+                                        <p:tav tm="0">
+                                          <p:val>
+                                            <p:strVal val="#ppt_y"/>
+                                          </p:val>
+                                        </p:tav>
+                                        <p:tav tm="100000">
+                                          <p:val>
+                                            <p:strVal val="#ppt_y"/>
+                                          </p:val>
+                                        </p:tav>
+                                      </p:tavLst>
+                                    </p:anim>
+                                  </p:childTnLst>
+                                </p:cTn>
+                              </p:par>
+                            </p:childTnLst>
+                          </p:cTn>
+                        </p:par>
+                      </p:childTnLst>
+                    </p:cTn>
+                  </p:par>
+                  <p:par>
+                    <p:cTn id="15" fill="hold">
+                      <p:stCondLst>
+                        <p:cond delay="indefinite"/>
+                      </p:stCondLst>
+                      <p:childTnLst>
+                        <p:par>
+                          <p:cTn id="16" fill="hold">
+                            <p:stCondLst>
+                              <p:cond delay="0"/>
+                            </p:stCondLst>
+                            <p:childTnLst>
+                              <p:par>
+                                <p:cTn id="17" presetID="2" presetClass="entr" presetSubtype="6" fill="hold" grpId="0" nodeType="clickEffect">
+                                  <p:stCondLst>
+                                    <p:cond delay="0"/>
+                                  </p:stCondLst>
+                                  <p:childTnLst>
+                                    <p:set>
+                                      <p:cBhvr>
+                                        <p:cTn id="18" dur="1" fill="hold">
+                                          <p:stCondLst>
+                                            <p:cond delay="0"/>
+                                          </p:stCondLst>
+                                        </p:cTn>
+                                        <p:tgtEl>
+                                          <p:spTgt spid="6"/>
+                                        </p:tgtEl>
+                                        <p:attrNameLst>
+                                          <p:attrName>style.visibility</p:attrName>
+                                        </p:attrNameLst>
+                                      </p:cBhvr>
+                                      <p:to>
+                                        <p:strVal val="visible"/>
+                                      </p:to>
+                                    </p:set>
+                                    <p:anim calcmode="lin" valueType="num">
+                                      <p:cBhvr additive="base">
+                                        <p:cTn id="19" dur="500" fill="hold"/>
+                                        <p:tgtEl>
+                                          <p:spTgt spid="6"/>
+                                        </p:tgtEl>
+                                        <p:attrNameLst>
+                                          <p:attrName>ppt_x</p:attrName>
+                                        </p:attrNameLst>
+                                      </p:cBhvr>
+                                      <p:tavLst>
+                                        <p:tav tm="0">
+                                          <p:val>
+                                            <p:strVal val="1+#ppt_w/2"/>
+                                          </p:val>
+                                        </p:tav>
+                                        <p:tav tm="100000">
+                                          <p:val>
+                                            <p:strVal val="#ppt_x"/>
+                                          </p:val>
+                                        </p:tav>
+                                      </p:tavLst>
+                                    </p:anim>
+                                    <p:anim calcmode="lin" valueType="num">
+                                      <p:cBhvr additive="base">
+                                        <p:cTn id="20" dur="500" fill="hold"/>
+                                        <p:tgtEl>
+                                          <p:spTgt spid="6"/>
+                                        </p:tgtEl>
+                                        <p:attrNameLst>
+                                          <p:attrName>ppt_y</p:attrName>
+                                        </p:attrNameLst>
+                                      </p:cBhvr>
+                                      <p:tavLst>
+                                        <p:tav tm="0">
+                                          <p:val>
+                                            <p:strVal val="1+#ppt_h/2"/>
+                                          </p:val>
+                                        </p:tav>
+                                        <p:tav tm="100000">
+                                          <p:val>
+                                            <p:strVal val="#ppt_y"/>
+                                          </p:val>
+                                        </p:tav>
+                                      </p:tavLst>
+                                    </p:anim>
+                                  </p:childTnLst>
+                                </p:cTn>
+                              </p:par>
+                            </p:childTnLst>
+                          </p:cTn>
+                        </p:par>
+                      </p:childTnLst>
+                    </p:cTn>
+                  </p:par>
+                </p:childTnLst>
+              </p:cTn>
+              <p:prevCondLst>
+                <p:cond evt="onPrev" delay="0">
+                  <p:tgtEl>
+                    <p:sldTgt/>
+                  </p:tgtEl>
+                </p:cond>
+              </p:prevCondLst>
+              <p:nextCondLst>
+                <p:cond evt="onNext" delay="0">
+                  <p:tgtEl>
+                    <p:sldTgt/>
+                  </p:tgtEl>
+                </p:cond>
+              </p:nextCondLst>
+            </p:seq>
+          </p:childTnLst>
+        </p:cTn>
+      </p:par>
+    </p:tnLst>
+    <p:bldLst>
+      <p:bldP spid="4" grpId="0"/>
+      <p:bldP spid="5" grpId="0"/>
+      <p:bldP spid="6" grpId="0"/>
+    </p:bldLst>
+  </p:timing>
+</p:sld>
+</file>
+
+<file path=ppt/slides/slide3.xml><?xml version="1.0" encoding="utf-8"?>
+<p:sld xmlns:a="http://schemas.openxmlformats.org/drawingml/2006/main" xmlns:r="http://schemas.openxmlformats.org/officeDocument/2006/relationships" xmlns:p="http://schemas.openxmlformats.org/presentationml/2006/main">
+  <p:cSld>
+    <p:bg>
+      <p:bgPr>
+        <a:blipFill rotWithShape="1">
+          <a:blip r:embed="rId1"/>
+          <a:stretch>
+            <a:fillRect/>
+          </a:stretch>
+        </a:blipFill>
+        <a:effectLst/>
+      </p:bgPr>
+    </p:bg>
+    <p:spTree>
+      <p:nvGrpSpPr>
+        <p:cNvPr id="1" name=""/>
+        <p:cNvGrpSpPr/>
+        <p:nvPr/>
+      </p:nvGrpSpPr>
+      <p:grpSpPr/>
+      <p:sp>
+        <p:nvSpPr>
+          <p:cNvPr id="2" name="标题 1"/>
+          <p:cNvSpPr>
+            <a:spLocks noGrp="1"/>
+          </p:cNvSpPr>
+          <p:nvPr>
+            <p:ph type="title"/>
+          </p:nvPr>
+        </p:nvSpPr>
         <p:spPr/>
         <p:txBody>
           <a:bodyPr/>
@@ -5395,7 +7110,7 @@
             <a:r>
               <a:rPr lang="zh-CN" altLang="en-US" sz="3200">
                 <a:solidFill>
-                  <a:srgbClr val="00B0F0"/>
+                  <a:schemeClr val="tx1"/>
                 </a:solidFill>
                 <a:sym typeface="+mn-ea"/>
               </a:rPr>
@@ -5403,7 +7118,7 @@
             </a:r>
             <a:endParaRPr lang="zh-CN" altLang="en-US" sz="3200">
               <a:solidFill>
-                <a:srgbClr val="00B0F0"/>
+                <a:schemeClr val="tx1"/>
               </a:solidFill>
             </a:endParaRPr>
           </a:p>
@@ -5412,7 +7127,7 @@
             <a:r>
               <a:rPr lang="zh-CN" altLang="en-US" sz="3200">
                 <a:solidFill>
-                  <a:srgbClr val="00B0F0"/>
+                  <a:schemeClr val="tx1"/>
                 </a:solidFill>
                 <a:sym typeface="+mn-ea"/>
               </a:rPr>
@@ -5420,7 +7135,7 @@
             </a:r>
             <a:endParaRPr lang="zh-CN" altLang="en-US" sz="3200">
               <a:solidFill>
-                <a:srgbClr val="00B0F0"/>
+                <a:schemeClr val="tx1"/>
               </a:solidFill>
             </a:endParaRPr>
           </a:p>
@@ -5429,7 +7144,7 @@
             <a:r>
               <a:rPr lang="zh-CN" altLang="en-US" sz="3200">
                 <a:solidFill>
-                  <a:srgbClr val="00B0F0"/>
+                  <a:schemeClr val="tx1"/>
                 </a:solidFill>
                 <a:sym typeface="+mn-ea"/>
               </a:rPr>
@@ -5437,7 +7152,7 @@
             </a:r>
             <a:endParaRPr lang="zh-CN" altLang="en-US" sz="3200">
               <a:solidFill>
-                <a:srgbClr val="00B0F0"/>
+                <a:schemeClr val="tx1"/>
               </a:solidFill>
             </a:endParaRPr>
           </a:p>
@@ -5446,7 +7161,7 @@
             <a:r>
               <a:rPr lang="zh-CN" altLang="en-US" sz="3200">
                 <a:solidFill>
-                  <a:srgbClr val="00B0F0"/>
+                  <a:schemeClr val="tx1"/>
                 </a:solidFill>
                 <a:sym typeface="+mn-ea"/>
               </a:rPr>
@@ -5454,7 +7169,7 @@
             </a:r>
             <a:endParaRPr lang="zh-CN" altLang="en-US" sz="3200">
               <a:solidFill>
-                <a:srgbClr val="00B0F0"/>
+                <a:schemeClr val="tx1"/>
               </a:solidFill>
             </a:endParaRPr>
           </a:p>
@@ -5463,7 +7178,7 @@
             <a:r>
               <a:rPr lang="zh-CN" altLang="en-US" sz="3200">
                 <a:solidFill>
-                  <a:srgbClr val="00B0F0"/>
+                  <a:schemeClr val="tx1"/>
                 </a:solidFill>
                 <a:sym typeface="+mn-ea"/>
               </a:rPr>
@@ -5509,25 +7224,35 @@
             <a:r>
               <a:rPr lang="en-US" altLang="zh-CN" sz="6000">
                 <a:solidFill>
-                  <a:schemeClr val="tx1"/>
+                  <a:srgbClr val="00B0F0"/>
                 </a:solidFill>
                 <a:sym typeface="+mn-ea"/>
               </a:rPr>
               <a:t>CMS </a:t>
             </a:r>
             <a:r>
+              <a:rPr lang="zh-CN" sz="6000">
+                <a:solidFill>
+                  <a:srgbClr val="00B0F0"/>
+                </a:solidFill>
+                <a:sym typeface="+mn-ea"/>
+              </a:rPr>
+              <a:t>详情</a:t>
+            </a:r>
+            <a:r>
               <a:rPr sz="6000">
                 <a:solidFill>
-                  <a:schemeClr val="tx1"/>
+                  <a:srgbClr val="00B0F0"/>
                 </a:solidFill>
                 <a:sym typeface="+mn-ea"/>
               </a:rPr>
-              <a:t>简单介绍</a:t>
-            </a:r>
-            <a:endParaRPr lang="zh-CN" altLang="en-US" sz="3200">
+              <a:t>介绍</a:t>
+            </a:r>
+            <a:endParaRPr lang="zh-CN" altLang="en-US" sz="6000">
               <a:solidFill>
-                <a:schemeClr val="tx1"/>
+                <a:srgbClr val="00B0F0"/>
               </a:solidFill>
+              <a:sym typeface="+mn-ea"/>
             </a:endParaRPr>
           </a:p>
         </p:txBody>
@@ -5670,7 +7395,7 @@
 </p:sld>
 </file>
 
-<file path=ppt/slides/slide3.xml><?xml version="1.0" encoding="utf-8"?>
+<file path=ppt/slides/slide4.xml><?xml version="1.0" encoding="utf-8"?>
 <p:sld xmlns:a="http://schemas.openxmlformats.org/drawingml/2006/main" xmlns:r="http://schemas.openxmlformats.org/officeDocument/2006/relationships" xmlns:p="http://schemas.openxmlformats.org/presentationml/2006/main">
   <p:cSld>
     <p:spTree>
@@ -5838,7 +7563,7 @@
 </p:sld>
 </file>
 
-<file path=ppt/slides/slide4.xml><?xml version="1.0" encoding="utf-8"?>
+<file path=ppt/slides/slide5.xml><?xml version="1.0" encoding="utf-8"?>
 <p:sld xmlns:a="http://schemas.openxmlformats.org/drawingml/2006/main" xmlns:r="http://schemas.openxmlformats.org/officeDocument/2006/relationships" xmlns:p="http://schemas.openxmlformats.org/presentationml/2006/main">
   <p:cSld>
     <p:spTree>
@@ -5985,7 +7710,7 @@
 </p:sld>
 </file>
 
-<file path=ppt/slides/slide5.xml><?xml version="1.0" encoding="utf-8"?>
+<file path=ppt/slides/slide6.xml><?xml version="1.0" encoding="utf-8"?>
 <p:sld xmlns:a="http://schemas.openxmlformats.org/drawingml/2006/main" xmlns:r="http://schemas.openxmlformats.org/officeDocument/2006/relationships" xmlns:p="http://schemas.openxmlformats.org/presentationml/2006/main">
   <p:cSld>
     <p:spTree>
@@ -6235,7 +7960,7 @@
 </p:sld>
 </file>
 
-<file path=ppt/slides/slide6.xml><?xml version="1.0" encoding="utf-8"?>
+<file path=ppt/slides/slide7.xml><?xml version="1.0" encoding="utf-8"?>
 <p:sld xmlns:a="http://schemas.openxmlformats.org/drawingml/2006/main" xmlns:r="http://schemas.openxmlformats.org/officeDocument/2006/relationships" xmlns:p="http://schemas.openxmlformats.org/presentationml/2006/main">
   <p:cSld>
     <p:spTree>
@@ -6396,7 +8121,7 @@
 </p:sld>
 </file>
 
-<file path=ppt/slides/slide7.xml><?xml version="1.0" encoding="utf-8"?>
+<file path=ppt/slides/slide8.xml><?xml version="1.0" encoding="utf-8"?>
 <p:sld xmlns:a="http://schemas.openxmlformats.org/drawingml/2006/main" xmlns:r="http://schemas.openxmlformats.org/officeDocument/2006/relationships" xmlns:p="http://schemas.openxmlformats.org/presentationml/2006/main">
   <p:cSld>
     <p:spTree>
@@ -6549,7 +8274,7 @@
 </p:sld>
 </file>
 
-<file path=ppt/slides/slide8.xml><?xml version="1.0" encoding="utf-8"?>
+<file path=ppt/slides/slide9.xml><?xml version="1.0" encoding="utf-8"?>
 <p:sld xmlns:a="http://schemas.openxmlformats.org/drawingml/2006/main" xmlns:r="http://schemas.openxmlformats.org/officeDocument/2006/relationships" xmlns:p="http://schemas.openxmlformats.org/presentationml/2006/main">
   <p:cSld>
     <p:spTree>
@@ -6712,301 +8437,6 @@
   <p:transition>
     <p:random/>
   </p:transition>
-</p:sld>
-</file>
-
-<file path=ppt/slides/slide9.xml><?xml version="1.0" encoding="utf-8"?>
-<p:sld xmlns:a="http://schemas.openxmlformats.org/drawingml/2006/main" xmlns:r="http://schemas.openxmlformats.org/officeDocument/2006/relationships" xmlns:p="http://schemas.openxmlformats.org/presentationml/2006/main">
-  <p:cSld>
-    <p:bg>
-      <p:bgPr>
-        <a:blipFill rotWithShape="1">
-          <a:blip r:embed="rId1"/>
-          <a:stretch>
-            <a:fillRect/>
-          </a:stretch>
-        </a:blipFill>
-        <a:effectLst/>
-      </p:bgPr>
-    </p:bg>
-    <p:spTree>
-      <p:nvGrpSpPr>
-        <p:cNvPr id="1" name=""/>
-        <p:cNvGrpSpPr/>
-        <p:nvPr/>
-      </p:nvGrpSpPr>
-      <p:grpSpPr/>
-      <p:sp>
-        <p:nvSpPr>
-          <p:cNvPr id="2" name="标题 1"/>
-          <p:cNvSpPr>
-            <a:spLocks noGrp="1"/>
-          </p:cNvSpPr>
-          <p:nvPr>
-            <p:ph type="title"/>
-          </p:nvPr>
-        </p:nvSpPr>
-        <p:spPr/>
-        <p:txBody>
-          <a:bodyPr/>
-          <a:p>
-            <a:endParaRPr lang="zh-CN" altLang="en-US"/>
-          </a:p>
-        </p:txBody>
-      </p:sp>
-      <p:sp>
-        <p:nvSpPr>
-          <p:cNvPr id="3" name="内容占位符 2"/>
-          <p:cNvSpPr>
-            <a:spLocks noGrp="1"/>
-          </p:cNvSpPr>
-          <p:nvPr>
-            <p:ph idx="1"/>
-          </p:nvPr>
-        </p:nvSpPr>
-        <p:spPr/>
-        <p:txBody>
-          <a:bodyPr/>
-          <a:p>
-            <a:endParaRPr lang="zh-CN" altLang="en-US"/>
-          </a:p>
-        </p:txBody>
-      </p:sp>
-      <p:sp>
-        <p:nvSpPr>
-          <p:cNvPr id="5" name="文本框 4"/>
-          <p:cNvSpPr txBox="1"/>
-          <p:nvPr/>
-        </p:nvSpPr>
-        <p:spPr>
-          <a:xfrm>
-            <a:off x="6749415" y="2644775"/>
-            <a:ext cx="1808480" cy="1568450"/>
-          </a:xfrm>
-          <a:prstGeom prst="rect">
-            <a:avLst/>
-          </a:prstGeom>
-          <a:noFill/>
-        </p:spPr>
-        <p:txBody>
-          <a:bodyPr wrap="none" rtlCol="0">
-            <a:spAutoFit/>
-          </a:bodyPr>
-          <a:p>
-            <a:r>
-              <a:rPr lang="zh-CN" altLang="en-US" sz="3200">
-                <a:solidFill>
-                  <a:srgbClr val="FFFF00"/>
-                </a:solidFill>
-              </a:rPr>
-              <a:t>主界面</a:t>
-            </a:r>
-            <a:endParaRPr lang="zh-CN" altLang="en-US" sz="3200">
-              <a:solidFill>
-                <a:srgbClr val="FFFF00"/>
-              </a:solidFill>
-            </a:endParaRPr>
-          </a:p>
-          <a:p>
-            <a:r>
-              <a:rPr lang="zh-CN" altLang="en-US" sz="3200">
-                <a:solidFill>
-                  <a:srgbClr val="FFFF00"/>
-                </a:solidFill>
-              </a:rPr>
-              <a:t>主要功能</a:t>
-            </a:r>
-            <a:endParaRPr lang="zh-CN" altLang="en-US" sz="3200">
-              <a:solidFill>
-                <a:srgbClr val="FFFF00"/>
-              </a:solidFill>
-            </a:endParaRPr>
-          </a:p>
-          <a:p>
-            <a:r>
-              <a:rPr lang="zh-CN" altLang="en-US" sz="3200">
-                <a:solidFill>
-                  <a:srgbClr val="FFFF00"/>
-                </a:solidFill>
-              </a:rPr>
-              <a:t>特色板块</a:t>
-            </a:r>
-            <a:endParaRPr lang="zh-CN" altLang="en-US" sz="3200">
-              <a:solidFill>
-                <a:srgbClr val="FFFF00"/>
-              </a:solidFill>
-            </a:endParaRPr>
-          </a:p>
-        </p:txBody>
-      </p:sp>
-      <p:sp>
-        <p:nvSpPr>
-          <p:cNvPr id="4" name="文本框 3"/>
-          <p:cNvSpPr txBox="1"/>
-          <p:nvPr/>
-        </p:nvSpPr>
-        <p:spPr>
-          <a:xfrm>
-            <a:off x="3633470" y="1296035"/>
-            <a:ext cx="4924425" cy="1014730"/>
-          </a:xfrm>
-          <a:prstGeom prst="rect">
-            <a:avLst/>
-          </a:prstGeom>
-          <a:noFill/>
-        </p:spPr>
-        <p:txBody>
-          <a:bodyPr wrap="none" rtlCol="0">
-            <a:spAutoFit/>
-          </a:bodyPr>
-          <a:p>
-            <a:r>
-              <a:rPr lang="en-US" altLang="zh-CN" sz="6000"/>
-              <a:t>CMS</a:t>
-            </a:r>
-            <a:r>
-              <a:rPr lang="zh-CN" altLang="en-US" sz="6000"/>
-              <a:t>项目展示</a:t>
-            </a:r>
-            <a:endParaRPr lang="zh-CN" altLang="en-US" sz="6000"/>
-          </a:p>
-        </p:txBody>
-      </p:sp>
-    </p:spTree>
-    <p:custDataLst>
-      <p:tags r:id="rId2"/>
-    </p:custDataLst>
-  </p:cSld>
-  <p:clrMapOvr>
-    <a:masterClrMapping/>
-  </p:clrMapOvr>
-  <p:transition>
-    <p:random/>
-  </p:transition>
-  <p:timing>
-    <p:tnLst>
-      <p:par>
-        <p:cTn id="1" dur="indefinite" restart="never" nodeType="tmRoot">
-          <p:childTnLst>
-            <p:seq concurrent="1" nextAc="seek">
-              <p:cTn id="2" dur="indefinite" nodeType="mainSeq">
-                <p:childTnLst>
-                  <p:par>
-                    <p:cTn id="3" fill="hold">
-                      <p:stCondLst>
-                        <p:cond delay="indefinite"/>
-                      </p:stCondLst>
-                      <p:childTnLst>
-                        <p:par>
-                          <p:cTn id="4" fill="hold">
-                            <p:stCondLst>
-                              <p:cond delay="0"/>
-                            </p:stCondLst>
-                            <p:childTnLst>
-                              <p:par>
-                                <p:cTn id="5" presetID="2" presetClass="entr" presetSubtype="2" fill="hold" grpId="1" nodeType="clickEffect">
-                                  <p:stCondLst>
-                                    <p:cond delay="0"/>
-                                  </p:stCondLst>
-                                  <p:childTnLst>
-                                    <p:set>
-                                      <p:cBhvr>
-                                        <p:cTn id="6" dur="1" fill="hold">
-                                          <p:stCondLst>
-                                            <p:cond delay="0"/>
-                                          </p:stCondLst>
-                                        </p:cTn>
-                                        <p:tgtEl>
-                                          <p:spTgt spid="5"/>
-                                        </p:tgtEl>
-                                        <p:attrNameLst>
-                                          <p:attrName>style.visibility</p:attrName>
-                                        </p:attrNameLst>
-                                      </p:cBhvr>
-                                      <p:to>
-                                        <p:strVal val="visible"/>
-                                      </p:to>
-                                    </p:set>
-                                    <p:anim calcmode="lin" valueType="num">
-                                      <p:cBhvr additive="base">
-                                        <p:cTn id="7" dur="500" fill="hold"/>
-                                        <p:tgtEl>
-                                          <p:spTgt spid="5"/>
-                                        </p:tgtEl>
-                                        <p:attrNameLst>
-                                          <p:attrName>ppt_x</p:attrName>
-                                        </p:attrNameLst>
-                                      </p:cBhvr>
-                                      <p:tavLst>
-                                        <p:tav tm="0">
-                                          <p:val>
-                                            <p:strVal val="1+#ppt_w/2"/>
-                                          </p:val>
-                                        </p:tav>
-                                        <p:tav tm="100000">
-                                          <p:val>
-                                            <p:strVal val="#ppt_x"/>
-                                          </p:val>
-                                        </p:tav>
-                                      </p:tavLst>
-                                    </p:anim>
-                                    <p:anim calcmode="lin" valueType="num">
-                                      <p:cBhvr additive="base">
-                                        <p:cTn id="8" dur="500" fill="hold"/>
-                                        <p:tgtEl>
-                                          <p:spTgt spid="5"/>
-                                        </p:tgtEl>
-                                        <p:attrNameLst>
-                                          <p:attrName>ppt_y</p:attrName>
-                                        </p:attrNameLst>
-                                      </p:cBhvr>
-                                      <p:tavLst>
-                                        <p:tav tm="0">
-                                          <p:val>
-                                            <p:strVal val="#ppt_y"/>
-                                          </p:val>
-                                        </p:tav>
-                                        <p:tav tm="100000">
-                                          <p:val>
-                                            <p:strVal val="#ppt_y"/>
-                                          </p:val>
-                                        </p:tav>
-                                      </p:tavLst>
-                                    </p:anim>
-                                  </p:childTnLst>
-                                </p:cTn>
-                              </p:par>
-                            </p:childTnLst>
-                          </p:cTn>
-                        </p:par>
-                      </p:childTnLst>
-                    </p:cTn>
-                  </p:par>
-                </p:childTnLst>
-              </p:cTn>
-              <p:prevCondLst>
-                <p:cond evt="onPrev" delay="0">
-                  <p:tgtEl>
-                    <p:sldTgt/>
-                  </p:tgtEl>
-                </p:cond>
-              </p:prevCondLst>
-              <p:nextCondLst>
-                <p:cond evt="onNext" delay="0">
-                  <p:tgtEl>
-                    <p:sldTgt/>
-                  </p:tgtEl>
-                </p:cond>
-              </p:nextCondLst>
-            </p:seq>
-          </p:childTnLst>
-        </p:cTn>
-      </p:par>
-    </p:tnLst>
-    <p:bldLst>
-      <p:bldP spid="5" grpId="1"/>
-    </p:bldLst>
-  </p:timing>
 </p:sld>
 </file>
 
@@ -7938,7 +9368,25 @@
 
 <file path=ppt/tags/tag77.xml><?xml version="1.0" encoding="utf-8"?>
 <p:tagLst xmlns:p="http://schemas.openxmlformats.org/presentationml/2006/main">
-  <p:tag name="KSO_WM_DOC_GUID" val="{120621a5-9dc6-4070-b1a0-631b80cf2799}"/>
+  <p:tag name="KSO_WM_BEAUTIFY_FLAG" val="#wm#"/>
+  <p:tag name="KSO_WM_TEMPLATE_CATEGORY" val="custom"/>
+  <p:tag name="KSO_WM_TEMPLATE_INDEX" val="20187308"/>
+</p:tagLst>
+</file>
+
+<file path=ppt/tags/tag78.xml><?xml version="1.0" encoding="utf-8"?>
+<p:tagLst xmlns:p="http://schemas.openxmlformats.org/presentationml/2006/main">
+  <p:tag name="KSO_WM_BEAUTIFY_FLAG" val="#wm#"/>
+  <p:tag name="KSO_WM_TEMPLATE_CATEGORY" val="custom"/>
+  <p:tag name="KSO_WM_TEMPLATE_INDEX" val="20187308"/>
+</p:tagLst>
+</file>
+
+<file path=ppt/tags/tag79.xml><?xml version="1.0" encoding="utf-8"?>
+<p:tagLst xmlns:p="http://schemas.openxmlformats.org/presentationml/2006/main">
+  <p:tag name="KSO_WM_BEAUTIFY_FLAG" val="#wm#"/>
+  <p:tag name="KSO_WM_TEMPLATE_CATEGORY" val="custom"/>
+  <p:tag name="KSO_WM_TEMPLATE_INDEX" val="20187308"/>
 </p:tagLst>
 </file>
 
@@ -7952,6 +9400,28 @@
   <p:tag name="KSO_WM_UNIT_LAYERLEVEL" val="1"/>
   <p:tag name="KSO_WM_TAG_VERSION" val="1.0"/>
   <p:tag name="KSO_WM_BEAUTIFY_FLAG" val="#wm#"/>
+</p:tagLst>
+</file>
+
+<file path=ppt/tags/tag80.xml><?xml version="1.0" encoding="utf-8"?>
+<p:tagLst xmlns:p="http://schemas.openxmlformats.org/presentationml/2006/main">
+  <p:tag name="KSO_WM_BEAUTIFY_FLAG" val="#wm#"/>
+  <p:tag name="KSO_WM_TEMPLATE_CATEGORY" val="custom"/>
+  <p:tag name="KSO_WM_TEMPLATE_INDEX" val="20187308"/>
+</p:tagLst>
+</file>
+
+<file path=ppt/tags/tag81.xml><?xml version="1.0" encoding="utf-8"?>
+<p:tagLst xmlns:p="http://schemas.openxmlformats.org/presentationml/2006/main">
+  <p:tag name="KSO_WM_BEAUTIFY_FLAG" val="#wm#"/>
+  <p:tag name="KSO_WM_TEMPLATE_CATEGORY" val="custom"/>
+  <p:tag name="KSO_WM_TEMPLATE_INDEX" val="20187308"/>
+</p:tagLst>
+</file>
+
+<file path=ppt/tags/tag82.xml><?xml version="1.0" encoding="utf-8"?>
+<p:tagLst xmlns:p="http://schemas.openxmlformats.org/presentationml/2006/main">
+  <p:tag name="KSO_WM_DOC_GUID" val="{120621a5-9dc6-4070-b1a0-631b80cf2799}"/>
 </p:tagLst>
 </file>
 

--- a/02document/50日志/0327/cms测试模板.pptx
+++ b/02document/50日志/0327/cms测试模板.pptx
@@ -4931,7 +4931,7 @@
   </p:clrMapOvr>
   <mc:AlternateContent xmlns:mc="http://schemas.openxmlformats.org/markup-compatibility/2006">
     <mc:Choice xmlns:p14="http://schemas.microsoft.com/office/powerpoint/2010/main" Requires="p14">
-      <p:transition p14:dur="250">
+      <p:transition p14:dur="500">
         <p:random/>
       </p:transition>
     </mc:Choice>

--- a/02document/50日志/0327/cms测试模板.pptx
+++ b/02document/50日志/0327/cms测试模板.pptx
@@ -32,9 +32,6 @@
   </p:sldIdLst>
   <p:sldSz cx="12192000" cy="6858000"/>
   <p:notesSz cx="6858000" cy="9144000"/>
-  <p:custDataLst>
-    <p:tags r:id="rId26"/>
-  </p:custDataLst>
   <p:defaultTextStyle>
     <a:defPPr>
       <a:defRPr lang="zh-CN"/>
@@ -5439,15 +5436,7 @@
                   <a:srgbClr val="7030A0"/>
                 </a:solidFill>
               </a:rPr>
-              <a:t>网络</a:t>
-            </a:r>
-            <a:r>
-              <a:rPr lang="zh-CN" altLang="en-US" sz="4000">
-                <a:solidFill>
-                  <a:srgbClr val="7030A0"/>
-                </a:solidFill>
-              </a:rPr>
-              <a:t>发展</a:t>
+              <a:t>网络发展</a:t>
             </a:r>
             <a:endParaRPr lang="zh-CN" altLang="en-US" sz="4000">
               <a:solidFill>
@@ -9419,12 +9408,6 @@
 </p:tagLst>
 </file>
 
-<file path=ppt/tags/tag82.xml><?xml version="1.0" encoding="utf-8"?>
-<p:tagLst xmlns:p="http://schemas.openxmlformats.org/presentationml/2006/main">
-  <p:tag name="KSO_WM_DOC_GUID" val="{120621a5-9dc6-4070-b1a0-631b80cf2799}"/>
-</p:tagLst>
-</file>
-
 <file path=ppt/tags/tag9.xml><?xml version="1.0" encoding="utf-8"?>
 <p:tagLst xmlns:p="http://schemas.openxmlformats.org/presentationml/2006/main">
   <p:tag name="KSO_WM_UNIT_HIGHLIGHT" val="0"/>
